--- a/slides/ng-bootcamp-day-5.pptx
+++ b/slides/ng-bootcamp-day-5.pptx
@@ -6694,18 +6694,34 @@
           <a:lstStyle/>
           <a:p>
             <a:r>
-              <a:rPr lang="en-US" dirty="0" err="1" smtClean="0"/>
+              <a:rPr lang="en-US" dirty="0" err="1" smtClean="0">
+                <a:solidFill>
+                  <a:srgbClr val="86CE24"/>
+                </a:solidFill>
+              </a:rPr>
               <a:t>src</a:t>
             </a:r>
             <a:r>
-              <a:rPr lang="en-US" dirty="0" smtClean="0"/>
+              <a:rPr lang="en-US" dirty="0" smtClean="0">
+                <a:solidFill>
+                  <a:srgbClr val="86CE24"/>
+                </a:solidFill>
+              </a:rPr>
               <a:t>/app/</a:t>
             </a:r>
             <a:r>
-              <a:rPr lang="en-US" dirty="0" err="1" smtClean="0"/>
+              <a:rPr lang="en-US" dirty="0" err="1" smtClean="0">
+                <a:solidFill>
+                  <a:srgbClr val="86CE24"/>
+                </a:solidFill>
+              </a:rPr>
               <a:t>app.js</a:t>
             </a:r>
-            <a:endParaRPr lang="en-US" dirty="0" smtClean="0"/>
+            <a:endParaRPr lang="en-US" dirty="0" smtClean="0">
+              <a:solidFill>
+                <a:srgbClr val="86CE24"/>
+              </a:solidFill>
+            </a:endParaRPr>
           </a:p>
           <a:p>
             <a:pPr lvl="1"/>
@@ -6731,27 +6747,51 @@
           </a:p>
           <a:p>
             <a:r>
-              <a:rPr lang="en-US" dirty="0" err="1" smtClean="0"/>
+              <a:rPr lang="en-US" dirty="0" err="1" smtClean="0">
+                <a:solidFill>
+                  <a:srgbClr val="86CE24"/>
+                </a:solidFill>
+              </a:rPr>
               <a:t>src</a:t>
             </a:r>
             <a:r>
-              <a:rPr lang="en-US" dirty="0" smtClean="0"/>
+              <a:rPr lang="en-US" dirty="0" smtClean="0">
+                <a:solidFill>
+                  <a:srgbClr val="86CE24"/>
+                </a:solidFill>
+              </a:rPr>
               <a:t>/app/dashboard, </a:t>
             </a:r>
             <a:r>
-              <a:rPr lang="en-US" dirty="0" err="1" smtClean="0"/>
+              <a:rPr lang="en-US" dirty="0" err="1" smtClean="0">
+                <a:solidFill>
+                  <a:srgbClr val="86CE24"/>
+                </a:solidFill>
+              </a:rPr>
               <a:t>src</a:t>
             </a:r>
             <a:r>
-              <a:rPr lang="en-US" dirty="0" smtClean="0"/>
+              <a:rPr lang="en-US" dirty="0" smtClean="0">
+                <a:solidFill>
+                  <a:srgbClr val="86CE24"/>
+                </a:solidFill>
+              </a:rPr>
               <a:t>/app/billing, </a:t>
             </a:r>
             <a:r>
-              <a:rPr lang="en-US" dirty="0" err="1" smtClean="0"/>
+              <a:rPr lang="en-US" dirty="0" err="1" smtClean="0">
+                <a:solidFill>
+                  <a:srgbClr val="86CE24"/>
+                </a:solidFill>
+              </a:rPr>
               <a:t>src</a:t>
             </a:r>
             <a:r>
-              <a:rPr lang="en-US" dirty="0" smtClean="0"/>
+              <a:rPr lang="en-US" dirty="0" smtClean="0">
+                <a:solidFill>
+                  <a:srgbClr val="86CE24"/>
+                </a:solidFill>
+              </a:rPr>
               <a:t>/app/account</a:t>
             </a:r>
           </a:p>
@@ -6764,11 +6804,19 @@
           </a:p>
           <a:p>
             <a:r>
-              <a:rPr lang="en-US" dirty="0" err="1" smtClean="0"/>
+              <a:rPr lang="en-US" dirty="0" err="1" smtClean="0">
+                <a:solidFill>
+                  <a:srgbClr val="86CE24"/>
+                </a:solidFill>
+              </a:rPr>
               <a:t>src</a:t>
             </a:r>
             <a:r>
-              <a:rPr lang="en-US" dirty="0" smtClean="0"/>
+              <a:rPr lang="en-US" dirty="0" smtClean="0">
+                <a:solidFill>
+                  <a:srgbClr val="86CE24"/>
+                </a:solidFill>
+              </a:rPr>
               <a:t>/common</a:t>
             </a:r>
           </a:p>
@@ -6852,18 +6900,38 @@
           <a:p>
             <a:r>
               <a:rPr lang="en-US" dirty="0" smtClean="0"/>
-              <a:t>Only allows for URL-based routing</a:t>
-            </a:r>
-          </a:p>
-          <a:p>
-            <a:r>
-              <a:rPr lang="en-US" dirty="0" smtClean="0"/>
-              <a:t>Only allows for single template/controller per route</a:t>
-            </a:r>
-          </a:p>
-          <a:p>
-            <a:r>
-              <a:rPr lang="en-US" dirty="0" smtClean="0"/>
+              <a:t>Only allows for </a:t>
+            </a:r>
+            <a:r>
+              <a:rPr lang="en-US" dirty="0" smtClean="0">
+                <a:solidFill>
+                  <a:srgbClr val="86CE24"/>
+                </a:solidFill>
+              </a:rPr>
+              <a:t>URL-based routing</a:t>
+            </a:r>
+          </a:p>
+          <a:p>
+            <a:r>
+              <a:rPr lang="en-US" dirty="0" smtClean="0"/>
+              <a:t>Only allows for </a:t>
+            </a:r>
+            <a:r>
+              <a:rPr lang="en-US" dirty="0" smtClean="0">
+                <a:solidFill>
+                  <a:srgbClr val="86CE24"/>
+                </a:solidFill>
+              </a:rPr>
+              <a:t>single template/controller per route</a:t>
+            </a:r>
+          </a:p>
+          <a:p>
+            <a:r>
+              <a:rPr lang="en-US" dirty="0" smtClean="0">
+                <a:solidFill>
+                  <a:srgbClr val="86CE24"/>
+                </a:solidFill>
+              </a:rPr>
               <a:t>No nested views</a:t>
             </a:r>
           </a:p>
@@ -6938,8 +7006,16 @@
           <a:lstStyle/>
           <a:p>
             <a:r>
-              <a:rPr lang="en-US" dirty="0" smtClean="0"/>
-              <a:t>State-based routing library</a:t>
+              <a:rPr lang="en-US" dirty="0" smtClean="0">
+                <a:solidFill>
+                  <a:srgbClr val="86CE24"/>
+                </a:solidFill>
+              </a:rPr>
+              <a:t>State-based </a:t>
+            </a:r>
+            <a:r>
+              <a:rPr lang="en-US" dirty="0" smtClean="0"/>
+              <a:t>routing library</a:t>
             </a:r>
           </a:p>
           <a:p>
@@ -6952,7 +7028,15 @@
           <a:p>
             <a:r>
               <a:rPr lang="en-US" dirty="0" smtClean="0"/>
-              <a:t>Allows for multiple and named views</a:t>
+              <a:t>Allows for </a:t>
+            </a:r>
+            <a:r>
+              <a:rPr lang="en-US" dirty="0" smtClean="0">
+                <a:solidFill>
+                  <a:srgbClr val="86CE24"/>
+                </a:solidFill>
+              </a:rPr>
+              <a:t>multiple and named views</a:t>
             </a:r>
           </a:p>
           <a:p>
@@ -6965,7 +7049,15 @@
           <a:p>
             <a:r>
               <a:rPr lang="en-US" dirty="0" smtClean="0"/>
-              <a:t>Define nested views</a:t>
+              <a:t>Define </a:t>
+            </a:r>
+            <a:r>
+              <a:rPr lang="en-US" dirty="0" smtClean="0">
+                <a:solidFill>
+                  <a:srgbClr val="86CE24"/>
+                </a:solidFill>
+              </a:rPr>
+              <a:t>nested views</a:t>
             </a:r>
           </a:p>
           <a:p>
@@ -7148,40 +7240,88 @@
           <a:p>
             <a:r>
               <a:rPr lang="en-US" dirty="0" smtClean="0"/>
-              <a:t>Install angular-</a:t>
-            </a:r>
-            <a:r>
-              <a:rPr lang="en-US" dirty="0" err="1" smtClean="0"/>
+              <a:t>Install </a:t>
+            </a:r>
+            <a:r>
+              <a:rPr lang="en-US" dirty="0" smtClean="0">
+                <a:solidFill>
+                  <a:srgbClr val="86CE24"/>
+                </a:solidFill>
+              </a:rPr>
+              <a:t>angular-</a:t>
+            </a:r>
+            <a:r>
+              <a:rPr lang="en-US" dirty="0" err="1" smtClean="0">
+                <a:solidFill>
+                  <a:srgbClr val="86CE24"/>
+                </a:solidFill>
+              </a:rPr>
               <a:t>ui</a:t>
             </a:r>
             <a:r>
-              <a:rPr lang="en-US" dirty="0" smtClean="0"/>
-              <a:t>-router with bower</a:t>
-            </a:r>
-          </a:p>
-          <a:p>
-            <a:r>
-              <a:rPr lang="en-US" dirty="0" smtClean="0"/>
-              <a:t>Include angular-</a:t>
-            </a:r>
-            <a:r>
-              <a:rPr lang="en-US" dirty="0" err="1" smtClean="0"/>
+              <a:rPr lang="en-US" dirty="0" smtClean="0">
+                <a:solidFill>
+                  <a:srgbClr val="86CE24"/>
+                </a:solidFill>
+              </a:rPr>
+              <a:t>-router </a:t>
+            </a:r>
+            <a:r>
+              <a:rPr lang="en-US" dirty="0" smtClean="0"/>
+              <a:t>with bower</a:t>
+            </a:r>
+          </a:p>
+          <a:p>
+            <a:r>
+              <a:rPr lang="en-US" dirty="0" smtClean="0"/>
+              <a:t>Include </a:t>
+            </a:r>
+            <a:r>
+              <a:rPr lang="en-US" dirty="0" smtClean="0">
+                <a:solidFill>
+                  <a:srgbClr val="86CE24"/>
+                </a:solidFill>
+              </a:rPr>
+              <a:t>angular-</a:t>
+            </a:r>
+            <a:r>
+              <a:rPr lang="en-US" dirty="0" err="1" smtClean="0">
+                <a:solidFill>
+                  <a:srgbClr val="86CE24"/>
+                </a:solidFill>
+              </a:rPr>
               <a:t>ui</a:t>
             </a:r>
             <a:r>
-              <a:rPr lang="en-US" dirty="0" smtClean="0"/>
+              <a:rPr lang="en-US" dirty="0" smtClean="0">
+                <a:solidFill>
+                  <a:srgbClr val="86CE24"/>
+                </a:solidFill>
+              </a:rPr>
               <a:t>-router/release/angular-</a:t>
             </a:r>
             <a:r>
-              <a:rPr lang="en-US" dirty="0" err="1" smtClean="0"/>
+              <a:rPr lang="en-US" dirty="0" err="1" smtClean="0">
+                <a:solidFill>
+                  <a:srgbClr val="86CE24"/>
+                </a:solidFill>
+              </a:rPr>
               <a:t>ui</a:t>
             </a:r>
             <a:r>
-              <a:rPr lang="en-US" dirty="0" smtClean="0"/>
+              <a:rPr lang="en-US" dirty="0" smtClean="0">
+                <a:solidFill>
+                  <a:srgbClr val="86CE24"/>
+                </a:solidFill>
+              </a:rPr>
               <a:t>-</a:t>
             </a:r>
             <a:r>
-              <a:rPr lang="en-US" dirty="0" err="1" smtClean="0"/>
+              <a:rPr lang="en-US" dirty="0" err="1" smtClean="0">
+                <a:solidFill>
+                  <a:srgbClr val="86CE24"/>
+                </a:solidFill>
+              </a:rPr>
               <a:t>router.js</a:t>
             </a:r>
             <a:r>
@@ -7203,12 +7343,24 @@
               <a:t>Require </a:t>
             </a:r>
             <a:r>
-              <a:rPr lang="en-US" dirty="0" err="1" smtClean="0"/>
+              <a:rPr lang="en-US" dirty="0" err="1" smtClean="0">
+                <a:solidFill>
+                  <a:srgbClr val="86CE24"/>
+                </a:solidFill>
+              </a:rPr>
               <a:t>ui.router</a:t>
             </a:r>
             <a:r>
-              <a:rPr lang="en-US" dirty="0" smtClean="0"/>
-              <a:t> dependency in app module</a:t>
+              <a:rPr lang="en-US" dirty="0" smtClean="0">
+                <a:solidFill>
+                  <a:srgbClr val="86CE24"/>
+                </a:solidFill>
+              </a:rPr>
+              <a:t> </a:t>
+            </a:r>
+            <a:r>
+              <a:rPr lang="en-US" dirty="0" smtClean="0"/>
+              <a:t>dependency in app module</a:t>
             </a:r>
           </a:p>
         </p:txBody>
@@ -7291,7 +7443,19 @@
             </a:r>
             <a:r>
               <a:rPr lang="en-US" dirty="0" smtClean="0"/>
-              <a:t>llows configuration of states (similar to $</a:t>
+              <a:t>llows </a:t>
+            </a:r>
+            <a:r>
+              <a:rPr lang="en-US" dirty="0" smtClean="0">
+                <a:solidFill>
+                  <a:srgbClr val="86CE24"/>
+                </a:solidFill>
+              </a:rPr>
+              <a:t>configuration of states </a:t>
+            </a:r>
+            <a:r>
+              <a:rPr lang="en-US" dirty="0" smtClean="0"/>
+              <a:t>(similar to $</a:t>
             </a:r>
             <a:r>
               <a:rPr lang="en-US" dirty="0" err="1" smtClean="0"/>
@@ -7334,20 +7498,36 @@
           </a:p>
           <a:p>
             <a:r>
-              <a:rPr lang="en-US" dirty="0" err="1" smtClean="0"/>
+              <a:rPr lang="en-US" dirty="0" err="1" smtClean="0">
+                <a:solidFill>
+                  <a:srgbClr val="86CE24"/>
+                </a:solidFill>
+              </a:rPr>
               <a:t>stateConfigObj</a:t>
             </a:r>
-            <a:endParaRPr lang="en-US" dirty="0" smtClean="0"/>
+            <a:endParaRPr lang="en-US" dirty="0" smtClean="0">
+              <a:solidFill>
+                <a:srgbClr val="86CE24"/>
+              </a:solidFill>
+            </a:endParaRPr>
           </a:p>
           <a:p>
             <a:pPr lvl="1"/>
             <a:r>
-              <a:rPr lang="en-US" dirty="0" err="1" smtClean="0"/>
+              <a:rPr lang="en-US" dirty="0" err="1" smtClean="0">
+                <a:solidFill>
+                  <a:srgbClr val="86CE24"/>
+                </a:solidFill>
+              </a:rPr>
               <a:t>url</a:t>
             </a:r>
             <a:r>
               <a:rPr lang="en-US" dirty="0" smtClean="0"/>
-              <a:t>: $</a:t>
+              <a:t>: </a:t>
+            </a:r>
+            <a:r>
+              <a:rPr lang="en-US" dirty="0" smtClean="0"/>
+              <a:t>$</a:t>
             </a:r>
             <a:r>
               <a:rPr lang="en-US" dirty="0" err="1" smtClean="0"/>
@@ -7361,7 +7541,11 @@
           <a:p>
             <a:pPr lvl="1"/>
             <a:r>
-              <a:rPr lang="en-US" dirty="0" err="1" smtClean="0"/>
+              <a:rPr lang="en-US" dirty="0" err="1" smtClean="0">
+                <a:solidFill>
+                  <a:srgbClr val="86CE24"/>
+                </a:solidFill>
+              </a:rPr>
               <a:t>templateUrl</a:t>
             </a:r>
             <a:r>
@@ -7372,8 +7556,16 @@
           <a:p>
             <a:pPr lvl="1"/>
             <a:r>
-              <a:rPr lang="en-US" dirty="0" smtClean="0"/>
-              <a:t>controller: controller to instantiate and attach to template</a:t>
+              <a:rPr lang="en-US" dirty="0" smtClean="0">
+                <a:solidFill>
+                  <a:srgbClr val="86CE24"/>
+                </a:solidFill>
+              </a:rPr>
+              <a:t>controller</a:t>
+            </a:r>
+            <a:r>
+              <a:rPr lang="en-US" dirty="0" smtClean="0"/>
+              <a:t>: controller to instantiate and attach to template</a:t>
             </a:r>
           </a:p>
           <a:p>
@@ -7462,33 +7654,81 @@
           <a:p>
             <a:r>
               <a:rPr lang="en-US" dirty="0" smtClean="0"/>
-              <a:t>Setup URL-based rules, including  a default route</a:t>
-            </a:r>
-          </a:p>
-          <a:p>
-            <a:r>
-              <a:rPr lang="en-US" dirty="0" smtClean="0"/>
+              <a:t>Setup </a:t>
+            </a:r>
+            <a:r>
+              <a:rPr lang="en-US" dirty="0" smtClean="0">
+                <a:solidFill>
+                  <a:srgbClr val="86CE24"/>
+                </a:solidFill>
+              </a:rPr>
+              <a:t>URL-based ru</a:t>
+            </a:r>
+            <a:r>
+              <a:rPr lang="en-US" dirty="0" smtClean="0"/>
+              <a:t>les, </a:t>
+            </a:r>
+            <a:r>
+              <a:rPr lang="en-US" dirty="0" smtClean="0"/>
+              <a:t>including </a:t>
+            </a:r>
+            <a:r>
+              <a:rPr lang="en-US" dirty="0" smtClean="0"/>
+              <a:t>a default route</a:t>
+            </a:r>
+          </a:p>
+          <a:p>
+            <a:r>
+              <a:rPr lang="en-US" dirty="0" smtClean="0">
+                <a:solidFill>
+                  <a:srgbClr val="86CE24"/>
+                </a:solidFill>
+              </a:rPr>
               <a:t>$</a:t>
             </a:r>
             <a:r>
-              <a:rPr lang="en-US" dirty="0" err="1" smtClean="0"/>
+              <a:rPr lang="en-US" dirty="0" err="1" smtClean="0">
+                <a:solidFill>
+                  <a:srgbClr val="86CE24"/>
+                </a:solidFill>
+              </a:rPr>
               <a:t>stateProvider</a:t>
             </a:r>
             <a:r>
-              <a:rPr lang="en-US" dirty="0" smtClean="0"/>
+              <a:rPr lang="en-US" dirty="0" smtClean="0">
+                <a:solidFill>
+                  <a:srgbClr val="86CE24"/>
+                </a:solidFill>
+              </a:rPr>
               <a:t> implicitly uses </a:t>
             </a:r>
             <a:r>
-              <a:rPr lang="en-US" dirty="0"/>
+              <a:rPr lang="en-US" dirty="0">
+                <a:solidFill>
+                  <a:srgbClr val="86CE24"/>
+                </a:solidFill>
+              </a:rPr>
               <a:t>$</a:t>
             </a:r>
             <a:r>
-              <a:rPr lang="en-US" dirty="0" err="1" smtClean="0"/>
+              <a:rPr lang="en-US" dirty="0" err="1" smtClean="0">
+                <a:solidFill>
+                  <a:srgbClr val="86CE24"/>
+                </a:solidFill>
+              </a:rPr>
               <a:t>urlRouterProvider</a:t>
             </a:r>
             <a:r>
-              <a:rPr lang="en-US" dirty="0" smtClean="0"/>
-              <a:t> when a </a:t>
+              <a:rPr lang="en-US" dirty="0" smtClean="0">
+                <a:solidFill>
+                  <a:srgbClr val="86CE24"/>
+                </a:solidFill>
+              </a:rPr>
+              <a:t> </a:t>
+            </a:r>
+            <a:r>
+              <a:rPr lang="en-US" dirty="0" smtClean="0"/>
+              <a:t>when a </a:t>
             </a:r>
             <a:r>
               <a:rPr lang="en-US" dirty="0" err="1" smtClean="0"/>
@@ -9231,7 +9471,19 @@
             </a:r>
             <a:r>
               <a:rPr lang="en-US" dirty="0"/>
-              <a:t>on state name rather than URL </a:t>
+              <a:t>on </a:t>
+            </a:r>
+            <a:r>
+              <a:rPr lang="en-US" dirty="0">
+                <a:solidFill>
+                  <a:srgbClr val="86CE24"/>
+                </a:solidFill>
+              </a:rPr>
+              <a:t>state name </a:t>
+            </a:r>
+            <a:r>
+              <a:rPr lang="en-US" dirty="0"/>
+              <a:t>rather than URL </a:t>
             </a:r>
             <a:r>
               <a:rPr lang="en-US" dirty="0" smtClean="0"/>
@@ -9240,7 +9492,11 @@
           </a:p>
           <a:p>
             <a:r>
-              <a:rPr lang="en-US" dirty="0" smtClean="0"/>
+              <a:rPr lang="en-US" dirty="0" smtClean="0">
+                <a:solidFill>
+                  <a:srgbClr val="86CE24"/>
+                </a:solidFill>
+              </a:rPr>
               <a:t>Associate names to states</a:t>
             </a:r>
           </a:p>
@@ -9253,7 +9509,11 @@
           </a:p>
           <a:p>
             <a:r>
-              <a:rPr lang="en-US" dirty="0" smtClean="0"/>
+              <a:rPr lang="en-US" dirty="0" smtClean="0">
+                <a:solidFill>
+                  <a:srgbClr val="86CE24"/>
+                </a:solidFill>
+              </a:rPr>
               <a:t>Triggering a state</a:t>
             </a:r>
           </a:p>
@@ -9339,9 +9599,36 @@
               <a:rPr lang="en-US" dirty="0" smtClean="0">
                 <a:cs typeface="Menlo Regular"/>
               </a:rPr>
-              <a:t>If URL is defined on a state, location path will automatically be updated</a:t>
+              <a:t>If URL is defined on a </a:t>
+            </a:r>
+            <a:r>
+              <a:rPr lang="en-US" dirty="0" smtClean="0">
+                <a:cs typeface="Menlo Regular"/>
+              </a:rPr>
+              <a:t>state,</a:t>
+            </a:r>
+            <a:r>
+              <a:rPr lang="en-US" dirty="0" smtClean="0">
+                <a:solidFill>
+                  <a:srgbClr val="86CE24"/>
+                </a:solidFill>
+                <a:cs typeface="Menlo Regular"/>
+              </a:rPr>
+              <a:t> </a:t>
+            </a:r>
+            <a:r>
+              <a:rPr lang="en-US" dirty="0" smtClean="0">
+                <a:solidFill>
+                  <a:srgbClr val="86CE24"/>
+                </a:solidFill>
+                <a:cs typeface="Menlo Regular"/>
+              </a:rPr>
+              <a:t>location path will automatically be updated</a:t>
             </a:r>
             <a:endParaRPr lang="en-US" dirty="0">
+              <a:solidFill>
+                <a:srgbClr val="86CE24"/>
+              </a:solidFill>
               <a:cs typeface="Menlo Regular"/>
             </a:endParaRPr>
           </a:p>
@@ -9759,21 +10046,58 @@
           <a:p>
             <a:r>
               <a:rPr lang="en-US" dirty="0" smtClean="0"/>
-              <a:t>Configured multiple named </a:t>
-            </a:r>
-            <a:r>
-              <a:rPr lang="en-US" dirty="0" err="1" smtClean="0"/>
+              <a:t>Configured </a:t>
+            </a:r>
+            <a:r>
+              <a:rPr lang="en-US" dirty="0" smtClean="0">
+                <a:solidFill>
+                  <a:srgbClr val="86CE24"/>
+                </a:solidFill>
+              </a:rPr>
+              <a:t>multiple named </a:t>
+            </a:r>
+            <a:r>
+              <a:rPr lang="en-US" dirty="0" err="1" smtClean="0">
+                <a:solidFill>
+                  <a:srgbClr val="86CE24"/>
+                </a:solidFill>
+              </a:rPr>
               <a:t>templateUrls</a:t>
             </a:r>
             <a:r>
-              <a:rPr lang="en-US" dirty="0" smtClean="0"/>
-              <a:t> and controllers on a single state, rather than just a single template and controller per state</a:t>
-            </a:r>
-          </a:p>
-          <a:p>
-            <a:r>
-              <a:rPr lang="en-US" dirty="0" smtClean="0"/>
-              <a:t>Views configured as properties of a “views” object on the state </a:t>
+              <a:rPr lang="en-US" dirty="0" smtClean="0">
+                <a:solidFill>
+                  <a:srgbClr val="86CE24"/>
+                </a:solidFill>
+              </a:rPr>
+              <a:t> and controllers </a:t>
+            </a:r>
+            <a:r>
+              <a:rPr lang="en-US" dirty="0" smtClean="0"/>
+              <a:t>on a single state, rather than just a single template and controller per </a:t>
+            </a:r>
+            <a:r>
+              <a:rPr lang="en-US" dirty="0" smtClean="0"/>
+              <a:t>state</a:t>
+            </a:r>
+            <a:endParaRPr lang="en-US" dirty="0" smtClean="0"/>
+          </a:p>
+          <a:p>
+            <a:r>
+              <a:rPr lang="en-US" dirty="0" smtClean="0"/>
+              <a:t>Views configured as </a:t>
+            </a:r>
+            <a:r>
+              <a:rPr lang="en-US" dirty="0" smtClean="0">
+                <a:solidFill>
+                  <a:srgbClr val="86CE24"/>
+                </a:solidFill>
+              </a:rPr>
+              <a:t>properties of a “views” object</a:t>
+            </a:r>
+            <a:r>
+              <a:rPr lang="en-US" dirty="0" smtClean="0"/>
+              <a:t> on the state </a:t>
             </a:r>
             <a:r>
               <a:rPr lang="en-US" dirty="0" err="1" smtClean="0"/>
@@ -9783,12 +10107,24 @@
           </a:p>
           <a:p>
             <a:r>
-              <a:rPr lang="en-US" dirty="0" err="1" smtClean="0"/>
+              <a:rPr lang="en-US" dirty="0" err="1" smtClean="0">
+                <a:solidFill>
+                  <a:srgbClr val="86CE24"/>
+                </a:solidFill>
+              </a:rPr>
               <a:t>ui</a:t>
             </a:r>
             <a:r>
-              <a:rPr lang="en-US" dirty="0" smtClean="0"/>
-              <a:t>-view directive accepts a name parameter</a:t>
+              <a:rPr lang="en-US" dirty="0" smtClean="0">
+                <a:solidFill>
+                  <a:srgbClr val="86CE24"/>
+                </a:solidFill>
+              </a:rPr>
+              <a:t>-view directive </a:t>
+            </a:r>
+            <a:r>
+              <a:rPr lang="en-US" dirty="0" smtClean="0"/>
+              <a:t>accepts a name parameter</a:t>
             </a:r>
             <a:endParaRPr lang="en-US" dirty="0"/>
           </a:p>
@@ -11177,8 +11513,16 @@
           <a:lstStyle/>
           <a:p>
             <a:r>
-              <a:rPr lang="en-US" dirty="0" smtClean="0"/>
-              <a:t>States can be nested within each other using ‘dot notation’ in state name (other ways exist as well)</a:t>
+              <a:rPr lang="en-US" dirty="0" smtClean="0">
+                <a:solidFill>
+                  <a:srgbClr val="86CE24"/>
+                </a:solidFill>
+              </a:rPr>
+              <a:t>States can be nested</a:t>
+            </a:r>
+            <a:r>
+              <a:rPr lang="en-US" dirty="0" smtClean="0"/>
+              <a:t> within each other using ‘dot notation’ in state name (other ways exist as well)</a:t>
             </a:r>
           </a:p>
           <a:p>
@@ -11199,33 +11543,61 @@
               <a:t>Child templates will be inserted into </a:t>
             </a:r>
             <a:r>
+              <a:rPr lang="en-US" dirty="0" err="1" smtClean="0">
+                <a:solidFill>
+                  <a:srgbClr val="86CE24"/>
+                </a:solidFill>
+              </a:rPr>
+              <a:t>ui</a:t>
+            </a:r>
+            <a:r>
+              <a:rPr lang="en-US" dirty="0" smtClean="0">
+                <a:solidFill>
+                  <a:srgbClr val="86CE24"/>
+                </a:solidFill>
+              </a:rPr>
+              <a:t>-view directives </a:t>
+            </a:r>
+            <a:r>
+              <a:rPr lang="en-US" dirty="0" smtClean="0"/>
+              <a:t>in the </a:t>
+            </a:r>
+            <a:r>
+              <a:rPr lang="en-US" dirty="0" smtClean="0">
+                <a:solidFill>
+                  <a:srgbClr val="86CE24"/>
+                </a:solidFill>
+              </a:rPr>
+              <a:t>immediate parent template</a:t>
+            </a:r>
+          </a:p>
+          <a:p>
+            <a:pPr lvl="1"/>
+            <a:r>
+              <a:rPr lang="en-US" dirty="0" smtClean="0"/>
+              <a:t>Won’t be inserted if the parent does not have a </a:t>
+            </a:r>
+            <a:r>
               <a:rPr lang="en-US" dirty="0" err="1" smtClean="0"/>
               <a:t>ui</a:t>
             </a:r>
             <a:r>
               <a:rPr lang="en-US" dirty="0" smtClean="0"/>
-              <a:t>-view directives in the immediate parent template</a:t>
-            </a:r>
-          </a:p>
-          <a:p>
-            <a:pPr lvl="1"/>
-            <a:r>
-              <a:rPr lang="en-US" dirty="0" smtClean="0"/>
-              <a:t>Won’t be inserted if the parent does not have a </a:t>
-            </a:r>
-            <a:r>
-              <a:rPr lang="en-US" dirty="0" err="1" smtClean="0"/>
-              <a:t>ui</a:t>
-            </a:r>
-            <a:r>
-              <a:rPr lang="en-US" dirty="0" smtClean="0"/>
               <a:t>-view directive</a:t>
             </a:r>
           </a:p>
           <a:p>
             <a:r>
               <a:rPr lang="en-US" dirty="0" smtClean="0"/>
-              <a:t>Possible to declare parent states abstract</a:t>
+              <a:t>Possible to declare parent states </a:t>
+            </a:r>
+            <a:r>
+              <a:rPr lang="en-US" dirty="0" smtClean="0">
+                <a:solidFill>
+                  <a:srgbClr val="86CE24"/>
+                </a:solidFill>
+              </a:rPr>
+              <a:t>abstract</a:t>
             </a:r>
           </a:p>
           <a:p>
@@ -11474,14 +11846,30 @@
           <a:lstStyle/>
           <a:p>
             <a:r>
-              <a:rPr lang="en-US" dirty="0" smtClean="0"/>
-              <a:t>Scope inheritance provided for free</a:t>
-            </a:r>
-          </a:p>
-          <a:p>
-            <a:r>
-              <a:rPr lang="en-US" dirty="0" smtClean="0"/>
-              <a:t>NOTE: Only get inheritance if the views are hierarchical</a:t>
+              <a:rPr lang="en-US" dirty="0" smtClean="0">
+                <a:solidFill>
+                  <a:srgbClr val="86CE24"/>
+                </a:solidFill>
+              </a:rPr>
+              <a:t>Scope inheritance</a:t>
+            </a:r>
+            <a:r>
+              <a:rPr lang="en-US" dirty="0" smtClean="0"/>
+              <a:t> provided for free</a:t>
+            </a:r>
+          </a:p>
+          <a:p>
+            <a:r>
+              <a:rPr lang="en-US" dirty="0" smtClean="0"/>
+              <a:t>NOTE: </a:t>
+            </a:r>
+            <a:r>
+              <a:rPr lang="en-US" dirty="0" smtClean="0">
+                <a:solidFill>
+                  <a:srgbClr val="86CE24"/>
+                </a:solidFill>
+              </a:rPr>
+              <a:t>Only get inheritance if the views are hierarchical</a:t>
             </a:r>
           </a:p>
           <a:p>
@@ -11604,11 +11992,7 @@
           <a:p>
             <a:r>
               <a:rPr lang="en-US" dirty="0" smtClean="0"/>
-              <a:t>Update sidebar links to point to appropriate </a:t>
-            </a:r>
-            <a:r>
-              <a:rPr lang="en-US" dirty="0" smtClean="0"/>
-              <a:t>states</a:t>
+              <a:t>Update sidebar links to point to appropriate states</a:t>
             </a:r>
           </a:p>
           <a:p>
@@ -11616,7 +12000,6 @@
               <a:rPr lang="en-US" dirty="0" smtClean="0"/>
               <a:t>Add create account flow to account page</a:t>
             </a:r>
-            <a:endParaRPr lang="en-US" dirty="0" smtClean="0"/>
           </a:p>
         </p:txBody>
       </p:sp>
@@ -11694,11 +12077,7 @@
             </a:r>
             <a:r>
               <a:rPr lang="en-US" dirty="0" smtClean="0"/>
-              <a:t> checkout -f day-5/step-</a:t>
-            </a:r>
-            <a:r>
-              <a:rPr lang="en-US" dirty="0" smtClean="0"/>
-              <a:t>5</a:t>
+              <a:t> checkout -f day-5/step-5</a:t>
             </a:r>
           </a:p>
           <a:p>
@@ -11797,8 +12176,16 @@
           <a:lstStyle/>
           <a:p>
             <a:r>
-              <a:rPr lang="en-US" dirty="0" smtClean="0"/>
-              <a:t>Build phase:</a:t>
+              <a:rPr lang="en-US" dirty="0" smtClean="0">
+                <a:solidFill>
+                  <a:srgbClr val="86CE24"/>
+                </a:solidFill>
+              </a:rPr>
+              <a:t>Build phase</a:t>
+            </a:r>
+            <a:r>
+              <a:rPr lang="en-US" dirty="0" smtClean="0"/>
+              <a:t>:</a:t>
             </a:r>
           </a:p>
           <a:p>
@@ -11838,7 +12225,11 @@
           </a:p>
           <a:p>
             <a:r>
-              <a:rPr lang="en-US" dirty="0" smtClean="0"/>
+              <a:rPr lang="en-US" dirty="0" smtClean="0">
+                <a:solidFill>
+                  <a:srgbClr val="86CE24"/>
+                </a:solidFill>
+              </a:rPr>
               <a:t>Compile phase</a:t>
             </a:r>
           </a:p>
@@ -11949,19 +12340,39 @@
           </a:p>
           <a:p>
             <a:r>
-              <a:rPr lang="en-US" dirty="0" smtClean="0"/>
-              <a:t>html2js Grunt task transforms HTML into a JS string, stores string in </a:t>
-            </a:r>
-            <a:r>
-              <a:rPr lang="en-US" dirty="0" err="1" smtClean="0"/>
+              <a:rPr lang="en-US" dirty="0" smtClean="0">
+                <a:solidFill>
+                  <a:srgbClr val="86CE24"/>
+                </a:solidFill>
+              </a:rPr>
+              <a:t>html2js Grunt task</a:t>
+            </a:r>
+            <a:r>
+              <a:rPr lang="en-US" dirty="0" smtClean="0"/>
+              <a:t> transforms HTML into a JS string, stores string in </a:t>
+            </a:r>
+            <a:r>
+              <a:rPr lang="en-US" dirty="0" err="1" smtClean="0">
+                <a:solidFill>
+                  <a:srgbClr val="86CE24"/>
+                </a:solidFill>
+              </a:rPr>
               <a:t>Angular’s</a:t>
             </a:r>
             <a:r>
-              <a:rPr lang="en-US" dirty="0" smtClean="0"/>
+              <a:rPr lang="en-US" dirty="0" smtClean="0">
+                <a:solidFill>
+                  <a:srgbClr val="86CE24"/>
+                </a:solidFill>
+              </a:rPr>
               <a:t> $</a:t>
             </a:r>
             <a:r>
-              <a:rPr lang="en-US" dirty="0" err="1" smtClean="0"/>
+              <a:rPr lang="en-US" dirty="0" err="1" smtClean="0">
+                <a:solidFill>
+                  <a:srgbClr val="86CE24"/>
+                </a:solidFill>
+              </a:rPr>
               <a:t>templateCache</a:t>
             </a:r>
             <a:r>
